--- a/Term 2/18 - Хранимые процедуры.pptx
+++ b/Term 2/18 - Хранимые процедуры.pptx
@@ -131,6 +131,45 @@
     </a:lvl9pPr>
   </p:defaultTextStyle>
   <p:extLst>
+    <p:ext uri="{521415D9-36F7-43E2-AB2F-B90AF26B5E84}">
+      <p14:sectionLst xmlns:p14="http://schemas.microsoft.com/office/powerpoint/2010/main">
+        <p14:section name="Раздел по умолчанию" id="{341DEAA4-C5B0-4F57-8C48-F72F39AC17CA}">
+          <p14:sldIdLst>
+            <p14:sldId id="257"/>
+            <p14:sldId id="259"/>
+            <p14:sldId id="262"/>
+            <p14:sldId id="263"/>
+            <p14:sldId id="268"/>
+            <p14:sldId id="269"/>
+            <p14:sldId id="270"/>
+            <p14:sldId id="271"/>
+            <p14:sldId id="272"/>
+            <p14:sldId id="290"/>
+            <p14:sldId id="273"/>
+            <p14:sldId id="274"/>
+            <p14:sldId id="275"/>
+            <p14:sldId id="276"/>
+            <p14:sldId id="277"/>
+            <p14:sldId id="278"/>
+          </p14:sldIdLst>
+        </p14:section>
+        <p14:section name="Следующий урок" id="{0C6E3F43-F410-4CF2-8F01-93C920FD3AE3}">
+          <p14:sldIdLst>
+            <p14:sldId id="279"/>
+            <p14:sldId id="280"/>
+            <p14:sldId id="281"/>
+            <p14:sldId id="282"/>
+            <p14:sldId id="283"/>
+            <p14:sldId id="284"/>
+            <p14:sldId id="285"/>
+            <p14:sldId id="286"/>
+            <p14:sldId id="287"/>
+            <p14:sldId id="289"/>
+            <p14:sldId id="288"/>
+          </p14:sldIdLst>
+        </p14:section>
+      </p14:sectionLst>
+    </p:ext>
     <p:ext uri="{EFAFB233-063F-42B5-8137-9DF3F51BA10A}">
       <p15:sldGuideLst xmlns:p15="http://schemas.microsoft.com/office/powerpoint/2012/main"/>
     </p:ext>
@@ -10791,7 +10830,7 @@
         </p:nvSpPr>
         <p:spPr>
           <a:xfrm>
-            <a:off x="8189054" y="1230984"/>
+            <a:off x="8135796" y="1110404"/>
             <a:ext cx="1077539" cy="1569660"/>
           </a:xfrm>
           <a:prstGeom prst="rect">
@@ -12376,18 +12415,18 @@
 </file>
 
 <file path=customXml/item1.xml><?xml version="1.0" encoding="utf-8"?>
-<p:properties xmlns:p="http://schemas.microsoft.com/office/2006/metadata/properties" xmlns:xsi="http://www.w3.org/2001/XMLSchema-instance" xmlns:pc="http://schemas.microsoft.com/office/infopath/2007/PartnerControls">
-  <documentManagement/>
-</p:properties>
-</file>
-
-<file path=customXml/item2.xml><?xml version="1.0" encoding="utf-8"?>
 <?mso-contentType ?>
 <FormTemplates xmlns="http://schemas.microsoft.com/sharepoint/v3/contenttype/forms">
   <Display>DocumentLibraryForm</Display>
   <Edit>DocumentLibraryForm</Edit>
   <New>DocumentLibraryForm</New>
 </FormTemplates>
+</file>
+
+<file path=customXml/item2.xml><?xml version="1.0" encoding="utf-8"?>
+<p:properties xmlns:p="http://schemas.microsoft.com/office/2006/metadata/properties" xmlns:xsi="http://www.w3.org/2001/XMLSchema-instance" xmlns:pc="http://schemas.microsoft.com/office/infopath/2007/PartnerControls">
+  <documentManagement/>
+</p:properties>
 </file>
 
 <file path=customXml/item3.xml><?xml version="1.0" encoding="utf-8"?>
@@ -12600,6 +12639,14 @@
 </file>
 
 <file path=customXml/itemProps1.xml><?xml version="1.0" encoding="utf-8"?>
+<ds:datastoreItem xmlns:ds="http://schemas.openxmlformats.org/officeDocument/2006/customXml" ds:itemID="{9DBC1E19-A7B0-4AB7-BA15-CB3C7B9B979C}">
+  <ds:schemaRefs>
+    <ds:schemaRef ds:uri="http://schemas.microsoft.com/sharepoint/v3/contenttype/forms"/>
+  </ds:schemaRefs>
+</ds:datastoreItem>
+</file>
+
+<file path=customXml/itemProps2.xml><?xml version="1.0" encoding="utf-8"?>
 <ds:datastoreItem xmlns:ds="http://schemas.openxmlformats.org/officeDocument/2006/customXml" ds:itemID="{14602252-2014-4D9C-BB1E-D47804EC2645}">
   <ds:schemaRefs>
     <ds:schemaRef ds:uri="20895bc8-be02-42ca-8ca1-36e50731b469"/>
@@ -12612,14 +12659,6 @@
     <ds:schemaRef ds:uri="http://schemas.microsoft.com/office/2006/metadata/properties"/>
     <ds:schemaRef ds:uri="http://www.w3.org/XML/1998/namespace"/>
     <ds:schemaRef ds:uri="http://purl.org/dc/dcmitype/"/>
-  </ds:schemaRefs>
-</ds:datastoreItem>
-</file>
-
-<file path=customXml/itemProps2.xml><?xml version="1.0" encoding="utf-8"?>
-<ds:datastoreItem xmlns:ds="http://schemas.openxmlformats.org/officeDocument/2006/customXml" ds:itemID="{9DBC1E19-A7B0-4AB7-BA15-CB3C7B9B979C}">
-  <ds:schemaRefs>
-    <ds:schemaRef ds:uri="http://schemas.microsoft.com/sharepoint/v3/contenttype/forms"/>
   </ds:schemaRefs>
 </ds:datastoreItem>
 </file>
